--- a/DsDotNet/src/UnitTest/UnitTest.Engine/ImportOffice/Sample/Lib/Robot/Weld.pptx
+++ b/DsDotNet/src/UnitTest/UnitTest.Engine/ImportOffice/Sample/Lib/Robot/Weld.pptx
@@ -216,7 +216,7 @@
           <a:p>
             <a:fld id="{DD503887-5801-43A0-AEF9-041E8DDC2558}" type="datetimeFigureOut">
               <a:rPr lang="ko-KR" altLang="en-US" smtClean="0"/>
-              <a:t>2022-12-08</a:t>
+              <a:t>2023-01-23</a:t>
             </a:fld>
             <a:endParaRPr lang="ko-KR" altLang="en-US"/>
           </a:p>
@@ -393,7 +393,7 @@
           <a:p>
             <a:fld id="{95336A0E-57B1-4D4C-BD9B-2F72B5943464}" type="datetimeFigureOut">
               <a:rPr lang="ko-KR" altLang="en-US" smtClean="0"/>
-              <a:t>2022-12-08</a:t>
+              <a:t>2023-01-23</a:t>
             </a:fld>
             <a:endParaRPr lang="ko-KR" altLang="en-US"/>
           </a:p>
@@ -755,7 +755,7 @@
           <a:effectLst/>
           <a:extLst>
             <a:ext uri="{91240B29-F687-4f45-9708-019B960494DF}">
-              <a14:hiddenLine xmlns:a14="http://schemas.microsoft.com/office/drawing/2010/main" xmlns="" w="9525">
+              <a14:hiddenLine xmlns="" xmlns:a14="http://schemas.microsoft.com/office/drawing/2010/main" w="9525">
                 <a:solidFill>
                   <a:srgbClr val="000000"/>
                 </a:solidFill>
@@ -947,7 +947,7 @@
           <a:p>
             <a:fld id="{DEA6EBF0-8E22-42A7-9BEA-2AC7066E6498}" type="datetimeFigureOut">
               <a:rPr lang="ko-KR" altLang="en-US" smtClean="0"/>
-              <a:t>2022-12-08</a:t>
+              <a:t>2023-01-23</a:t>
             </a:fld>
             <a:endParaRPr lang="ko-KR" altLang="en-US"/>
           </a:p>
@@ -1265,7 +1265,7 @@
           <a:p>
             <a:fld id="{DEA6EBF0-8E22-42A7-9BEA-2AC7066E6498}" type="datetimeFigureOut">
               <a:rPr lang="ko-KR" altLang="en-US" smtClean="0"/>
-              <a:t>2022-12-08</a:t>
+              <a:t>2023-01-23</a:t>
             </a:fld>
             <a:endParaRPr lang="ko-KR" altLang="en-US"/>
           </a:p>
@@ -1753,7 +1753,7 @@
           <a:p>
             <a:fld id="{DEA6EBF0-8E22-42A7-9BEA-2AC7066E6498}" type="datetimeFigureOut">
               <a:rPr lang="ko-KR" altLang="en-US" smtClean="0"/>
-              <a:t>2022-12-08</a:t>
+              <a:t>2023-01-23</a:t>
             </a:fld>
             <a:endParaRPr lang="ko-KR" altLang="en-US"/>
           </a:p>
@@ -2122,7 +2122,7 @@
           <a:p>
             <a:fld id="{DEA6EBF0-8E22-42A7-9BEA-2AC7066E6498}" type="datetimeFigureOut">
               <a:rPr lang="ko-KR" altLang="en-US" smtClean="0"/>
-              <a:t>2022-12-08</a:t>
+              <a:t>2023-01-23</a:t>
             </a:fld>
             <a:endParaRPr lang="ko-KR" altLang="en-US"/>
           </a:p>
@@ -2277,7 +2277,7 @@
           <a:ln/>
           <a:extLst>
             <a:ext uri="{91240B29-F687-4f45-9708-019B960494DF}">
-              <a14:hiddenLine xmlns:a14="http://schemas.microsoft.com/office/drawing/2010/main" xmlns="" w="9525">
+              <a14:hiddenLine xmlns="" xmlns:a14="http://schemas.microsoft.com/office/drawing/2010/main" w="9525">
                 <a:solidFill>
                   <a:srgbClr val="000000"/>
                 </a:solidFill>
@@ -2395,7 +2395,7 @@
           <a:p>
             <a:fld id="{DEA6EBF0-8E22-42A7-9BEA-2AC7066E6498}" type="datetimeFigureOut">
               <a:rPr lang="ko-KR" altLang="en-US" smtClean="0"/>
-              <a:t>2022-12-08</a:t>
+              <a:t>2023-01-23</a:t>
             </a:fld>
             <a:endParaRPr lang="ko-KR" altLang="en-US"/>
           </a:p>
@@ -2552,7 +2552,7 @@
           <a:ln/>
           <a:extLst>
             <a:ext uri="{91240B29-F687-4f45-9708-019B960494DF}">
-              <a14:hiddenLine xmlns:a14="http://schemas.microsoft.com/office/drawing/2010/main" xmlns="" w="9525">
+              <a14:hiddenLine xmlns="" xmlns:a14="http://schemas.microsoft.com/office/drawing/2010/main" w="9525">
                 <a:solidFill>
                   <a:srgbClr val="000000"/>
                 </a:solidFill>
@@ -2680,7 +2680,7 @@
           <a:p>
             <a:fld id="{DEA6EBF0-8E22-42A7-9BEA-2AC7066E6498}" type="datetimeFigureOut">
               <a:rPr lang="ko-KR" altLang="en-US" smtClean="0"/>
-              <a:t>2022-12-08</a:t>
+              <a:t>2023-01-23</a:t>
             </a:fld>
             <a:endParaRPr lang="ko-KR" altLang="en-US"/>
           </a:p>
@@ -2798,7 +2798,7 @@
           <a:p>
             <a:fld id="{DEA6EBF0-8E22-42A7-9BEA-2AC7066E6498}" type="datetimeFigureOut">
               <a:rPr lang="ko-KR" altLang="en-US" smtClean="0"/>
-              <a:t>2022-12-08</a:t>
+              <a:t>2023-01-23</a:t>
             </a:fld>
             <a:endParaRPr lang="ko-KR" altLang="en-US"/>
           </a:p>
@@ -2953,7 +2953,7 @@
           <a:ln/>
           <a:extLst>
             <a:ext uri="{91240B29-F687-4f45-9708-019B960494DF}">
-              <a14:hiddenLine xmlns:a14="http://schemas.microsoft.com/office/drawing/2010/main" xmlns="" w="9525">
+              <a14:hiddenLine xmlns="" xmlns:a14="http://schemas.microsoft.com/office/drawing/2010/main" w="9525">
                 <a:solidFill>
                   <a:srgbClr val="000000"/>
                 </a:solidFill>
@@ -3081,7 +3081,7 @@
           <a:p>
             <a:fld id="{DEA6EBF0-8E22-42A7-9BEA-2AC7066E6498}" type="datetimeFigureOut">
               <a:rPr lang="ko-KR" altLang="en-US" smtClean="0"/>
-              <a:t>2022-12-08</a:t>
+              <a:t>2023-01-23</a:t>
             </a:fld>
             <a:endParaRPr lang="ko-KR" altLang="en-US"/>
           </a:p>
@@ -3424,7 +3424,7 @@
           <a:p>
             <a:fld id="{DEA6EBF0-8E22-42A7-9BEA-2AC7066E6498}" type="datetimeFigureOut">
               <a:rPr lang="ko-KR" altLang="en-US" smtClean="0"/>
-              <a:t>2022-12-08</a:t>
+              <a:t>2023-01-23</a:t>
             </a:fld>
             <a:endParaRPr lang="ko-KR" altLang="en-US"/>
           </a:p>
@@ -3579,7 +3579,7 @@
           <a:ln/>
           <a:extLst>
             <a:ext uri="{91240B29-F687-4f45-9708-019B960494DF}">
-              <a14:hiddenLine xmlns:a14="http://schemas.microsoft.com/office/drawing/2010/main" xmlns="" w="9525">
+              <a14:hiddenLine xmlns="" xmlns:a14="http://schemas.microsoft.com/office/drawing/2010/main" w="9525">
                 <a:solidFill>
                   <a:srgbClr val="000000"/>
                 </a:solidFill>
@@ -3763,7 +3763,7 @@
           <a:p>
             <a:fld id="{DEA6EBF0-8E22-42A7-9BEA-2AC7066E6498}" type="datetimeFigureOut">
               <a:rPr lang="ko-KR" altLang="en-US" smtClean="0"/>
-              <a:t>2022-12-08</a:t>
+              <a:t>2023-01-23</a:t>
             </a:fld>
             <a:endParaRPr lang="ko-KR" altLang="en-US"/>
           </a:p>
@@ -3918,7 +3918,7 @@
           <a:ln/>
           <a:extLst>
             <a:ext uri="{91240B29-F687-4f45-9708-019B960494DF}">
-              <a14:hiddenLine xmlns:a14="http://schemas.microsoft.com/office/drawing/2010/main" xmlns="" w="9525">
+              <a14:hiddenLine xmlns="" xmlns:a14="http://schemas.microsoft.com/office/drawing/2010/main" w="9525">
                 <a:solidFill>
                   <a:srgbClr val="000000"/>
                 </a:solidFill>
@@ -4240,7 +4240,7 @@
           <a:p>
             <a:fld id="{DEA6EBF0-8E22-42A7-9BEA-2AC7066E6498}" type="datetimeFigureOut">
               <a:rPr lang="ko-KR" altLang="en-US" smtClean="0"/>
-              <a:t>2022-12-08</a:t>
+              <a:t>2023-01-23</a:t>
             </a:fld>
             <a:endParaRPr lang="ko-KR" altLang="en-US"/>
           </a:p>
@@ -4335,7 +4335,7 @@
           <a:p>
             <a:fld id="{DEA6EBF0-8E22-42A7-9BEA-2AC7066E6498}" type="datetimeFigureOut">
               <a:rPr lang="ko-KR" altLang="en-US" smtClean="0"/>
-              <a:t>2022-12-08</a:t>
+              <a:t>2023-01-23</a:t>
             </a:fld>
             <a:endParaRPr lang="ko-KR" altLang="en-US"/>
           </a:p>
@@ -4603,7 +4603,7 @@
           <a:ln/>
           <a:extLst>
             <a:ext uri="{91240B29-F687-4f45-9708-019B960494DF}">
-              <a14:hiddenLine xmlns:a14="http://schemas.microsoft.com/office/drawing/2010/main" xmlns="" w="9525">
+              <a14:hiddenLine xmlns="" xmlns:a14="http://schemas.microsoft.com/office/drawing/2010/main" w="9525">
                 <a:solidFill>
                   <a:srgbClr val="000000"/>
                 </a:solidFill>
@@ -4802,7 +4802,7 @@
           <a:p>
             <a:fld id="{DEA6EBF0-8E22-42A7-9BEA-2AC7066E6498}" type="datetimeFigureOut">
               <a:rPr lang="ko-KR" altLang="en-US" smtClean="0"/>
-              <a:t>2022-12-08</a:t>
+              <a:t>2023-01-23</a:t>
             </a:fld>
             <a:endParaRPr lang="ko-KR" altLang="en-US"/>
           </a:p>
@@ -5115,7 +5115,7 @@
           <a:p>
             <a:fld id="{DEA6EBF0-8E22-42A7-9BEA-2AC7066E6498}" type="datetimeFigureOut">
               <a:rPr lang="ko-KR" altLang="en-US" smtClean="0"/>
-              <a:t>2022-12-08</a:t>
+              <a:t>2023-01-23</a:t>
             </a:fld>
             <a:endParaRPr lang="ko-KR" altLang="en-US"/>
           </a:p>
@@ -5385,7 +5385,7 @@
           <a:p>
             <a:fld id="{DEA6EBF0-8E22-42A7-9BEA-2AC7066E6498}" type="datetimeFigureOut">
               <a:rPr lang="ko-KR" altLang="en-US" smtClean="0"/>
-              <a:t>2022-12-08</a:t>
+              <a:t>2023-01-23</a:t>
             </a:fld>
             <a:endParaRPr lang="ko-KR" altLang="en-US"/>
           </a:p>
@@ -5963,7 +5963,7 @@
       </p:sp>
       <p:sp>
         <p:nvSpPr>
-          <p:cNvPr id="80" name="화살표: 오각형 79">
+          <p:cNvPr id="3" name="화살표: 오각형 2">
             <a:extLst>
               <a:ext uri="{FF2B5EF4-FFF2-40B4-BE49-F238E27FC236}">
                 <a16:creationId xmlns:a16="http://schemas.microsoft.com/office/drawing/2014/main" id="{CB5747B3-AC8A-5B6E-FCF3-6ABFB0F2E1BE}"/>
@@ -5975,7 +5975,7 @@
         </p:nvSpPr>
         <p:spPr>
           <a:xfrm>
-            <a:off x="9071462" y="2404180"/>
+            <a:off x="9156761" y="2224030"/>
             <a:ext cx="2617433" cy="690024"/>
           </a:xfrm>
           <a:prstGeom prst="homePlate">
@@ -6010,7 +6010,101 @@
               <a:avLst/>
             </a:prstTxWarp>
           </a:bodyPr>
-          <a:lstStyle/>
+          <a:lstStyle>
+            <a:defPPr>
+              <a:defRPr lang="ko-KR"/>
+            </a:defPPr>
+            <a:lvl1pPr marL="0" algn="l" defTabSz="914400" rtl="0" eaLnBrk="1" latinLnBrk="1" hangingPunct="1">
+              <a:defRPr sz="1800" kern="1200">
+                <a:solidFill>
+                  <a:schemeClr val="lt1"/>
+                </a:solidFill>
+                <a:latin typeface="+mn-lt"/>
+                <a:ea typeface="+mn-ea"/>
+                <a:cs typeface="+mn-cs"/>
+              </a:defRPr>
+            </a:lvl1pPr>
+            <a:lvl2pPr marL="457200" algn="l" defTabSz="914400" rtl="0" eaLnBrk="1" latinLnBrk="1" hangingPunct="1">
+              <a:defRPr sz="1800" kern="1200">
+                <a:solidFill>
+                  <a:schemeClr val="lt1"/>
+                </a:solidFill>
+                <a:latin typeface="+mn-lt"/>
+                <a:ea typeface="+mn-ea"/>
+                <a:cs typeface="+mn-cs"/>
+              </a:defRPr>
+            </a:lvl2pPr>
+            <a:lvl3pPr marL="914400" algn="l" defTabSz="914400" rtl="0" eaLnBrk="1" latinLnBrk="1" hangingPunct="1">
+              <a:defRPr sz="1800" kern="1200">
+                <a:solidFill>
+                  <a:schemeClr val="lt1"/>
+                </a:solidFill>
+                <a:latin typeface="+mn-lt"/>
+                <a:ea typeface="+mn-ea"/>
+                <a:cs typeface="+mn-cs"/>
+              </a:defRPr>
+            </a:lvl3pPr>
+            <a:lvl4pPr marL="1371600" algn="l" defTabSz="914400" rtl="0" eaLnBrk="1" latinLnBrk="1" hangingPunct="1">
+              <a:defRPr sz="1800" kern="1200">
+                <a:solidFill>
+                  <a:schemeClr val="lt1"/>
+                </a:solidFill>
+                <a:latin typeface="+mn-lt"/>
+                <a:ea typeface="+mn-ea"/>
+                <a:cs typeface="+mn-cs"/>
+              </a:defRPr>
+            </a:lvl4pPr>
+            <a:lvl5pPr marL="1828800" algn="l" defTabSz="914400" rtl="0" eaLnBrk="1" latinLnBrk="1" hangingPunct="1">
+              <a:defRPr sz="1800" kern="1200">
+                <a:solidFill>
+                  <a:schemeClr val="lt1"/>
+                </a:solidFill>
+                <a:latin typeface="+mn-lt"/>
+                <a:ea typeface="+mn-ea"/>
+                <a:cs typeface="+mn-cs"/>
+              </a:defRPr>
+            </a:lvl5pPr>
+            <a:lvl6pPr marL="2286000" algn="l" defTabSz="914400" rtl="0" eaLnBrk="1" latinLnBrk="1" hangingPunct="1">
+              <a:defRPr sz="1800" kern="1200">
+                <a:solidFill>
+                  <a:schemeClr val="lt1"/>
+                </a:solidFill>
+                <a:latin typeface="+mn-lt"/>
+                <a:ea typeface="+mn-ea"/>
+                <a:cs typeface="+mn-cs"/>
+              </a:defRPr>
+            </a:lvl6pPr>
+            <a:lvl7pPr marL="2743200" algn="l" defTabSz="914400" rtl="0" eaLnBrk="1" latinLnBrk="1" hangingPunct="1">
+              <a:defRPr sz="1800" kern="1200">
+                <a:solidFill>
+                  <a:schemeClr val="lt1"/>
+                </a:solidFill>
+                <a:latin typeface="+mn-lt"/>
+                <a:ea typeface="+mn-ea"/>
+                <a:cs typeface="+mn-cs"/>
+              </a:defRPr>
+            </a:lvl7pPr>
+            <a:lvl8pPr marL="3200400" algn="l" defTabSz="914400" rtl="0" eaLnBrk="1" latinLnBrk="1" hangingPunct="1">
+              <a:defRPr sz="1800" kern="1200">
+                <a:solidFill>
+                  <a:schemeClr val="lt1"/>
+                </a:solidFill>
+                <a:latin typeface="+mn-lt"/>
+                <a:ea typeface="+mn-ea"/>
+                <a:cs typeface="+mn-cs"/>
+              </a:defRPr>
+            </a:lvl8pPr>
+            <a:lvl9pPr marL="3657600" algn="l" defTabSz="914400" rtl="0" eaLnBrk="1" latinLnBrk="1" hangingPunct="1">
+              <a:defRPr sz="1800" kern="1200">
+                <a:solidFill>
+                  <a:schemeClr val="lt1"/>
+                </a:solidFill>
+                <a:latin typeface="+mn-lt"/>
+                <a:ea typeface="+mn-ea"/>
+                <a:cs typeface="+mn-cs"/>
+              </a:defRPr>
+            </a:lvl9pPr>
+          </a:lstStyle>
           <a:p>
             <a:pPr algn="ctr"/>
             <a:r>
@@ -6020,11 +6114,20 @@
               <a:t>Home</a:t>
             </a:r>
           </a:p>
-        </p:txBody>
-      </p:sp>
-      <p:sp>
-        <p:nvSpPr>
-          <p:cNvPr id="81" name="화살표: 오각형 80">
+          <a:p>
+            <a:pPr algn="ctr"/>
+            <a:r>
+              <a:rPr lang="en-US" altLang="ko-KR" sz="1400" dirty="0">
+                <a:ea typeface="현대하모니 M" panose="02020603020101020101"/>
+              </a:rPr>
+              <a:t>[R1~]</a:t>
+            </a:r>
+          </a:p>
+        </p:txBody>
+      </p:sp>
+      <p:sp>
+        <p:nvSpPr>
+          <p:cNvPr id="4" name="화살표: 오각형 3">
             <a:extLst>
               <a:ext uri="{FF2B5EF4-FFF2-40B4-BE49-F238E27FC236}">
                 <a16:creationId xmlns:a16="http://schemas.microsoft.com/office/drawing/2014/main" id="{11D9824B-9C79-1754-1358-CAFCD5BF3EA9}"/>
@@ -6036,7 +6139,7 @@
         </p:nvSpPr>
         <p:spPr>
           <a:xfrm>
-            <a:off x="9071461" y="3183658"/>
+            <a:off x="9156760" y="3003508"/>
             <a:ext cx="2617433" cy="690024"/>
           </a:xfrm>
           <a:prstGeom prst="homePlate">
@@ -6071,7 +6174,101 @@
               <a:avLst/>
             </a:prstTxWarp>
           </a:bodyPr>
-          <a:lstStyle/>
+          <a:lstStyle>
+            <a:defPPr>
+              <a:defRPr lang="ko-KR"/>
+            </a:defPPr>
+            <a:lvl1pPr marL="0" algn="l" defTabSz="914400" rtl="0" eaLnBrk="1" latinLnBrk="1" hangingPunct="1">
+              <a:defRPr sz="1800" kern="1200">
+                <a:solidFill>
+                  <a:schemeClr val="lt1"/>
+                </a:solidFill>
+                <a:latin typeface="+mn-lt"/>
+                <a:ea typeface="+mn-ea"/>
+                <a:cs typeface="+mn-cs"/>
+              </a:defRPr>
+            </a:lvl1pPr>
+            <a:lvl2pPr marL="457200" algn="l" defTabSz="914400" rtl="0" eaLnBrk="1" latinLnBrk="1" hangingPunct="1">
+              <a:defRPr sz="1800" kern="1200">
+                <a:solidFill>
+                  <a:schemeClr val="lt1"/>
+                </a:solidFill>
+                <a:latin typeface="+mn-lt"/>
+                <a:ea typeface="+mn-ea"/>
+                <a:cs typeface="+mn-cs"/>
+              </a:defRPr>
+            </a:lvl2pPr>
+            <a:lvl3pPr marL="914400" algn="l" defTabSz="914400" rtl="0" eaLnBrk="1" latinLnBrk="1" hangingPunct="1">
+              <a:defRPr sz="1800" kern="1200">
+                <a:solidFill>
+                  <a:schemeClr val="lt1"/>
+                </a:solidFill>
+                <a:latin typeface="+mn-lt"/>
+                <a:ea typeface="+mn-ea"/>
+                <a:cs typeface="+mn-cs"/>
+              </a:defRPr>
+            </a:lvl3pPr>
+            <a:lvl4pPr marL="1371600" algn="l" defTabSz="914400" rtl="0" eaLnBrk="1" latinLnBrk="1" hangingPunct="1">
+              <a:defRPr sz="1800" kern="1200">
+                <a:solidFill>
+                  <a:schemeClr val="lt1"/>
+                </a:solidFill>
+                <a:latin typeface="+mn-lt"/>
+                <a:ea typeface="+mn-ea"/>
+                <a:cs typeface="+mn-cs"/>
+              </a:defRPr>
+            </a:lvl4pPr>
+            <a:lvl5pPr marL="1828800" algn="l" defTabSz="914400" rtl="0" eaLnBrk="1" latinLnBrk="1" hangingPunct="1">
+              <a:defRPr sz="1800" kern="1200">
+                <a:solidFill>
+                  <a:schemeClr val="lt1"/>
+                </a:solidFill>
+                <a:latin typeface="+mn-lt"/>
+                <a:ea typeface="+mn-ea"/>
+                <a:cs typeface="+mn-cs"/>
+              </a:defRPr>
+            </a:lvl5pPr>
+            <a:lvl6pPr marL="2286000" algn="l" defTabSz="914400" rtl="0" eaLnBrk="1" latinLnBrk="1" hangingPunct="1">
+              <a:defRPr sz="1800" kern="1200">
+                <a:solidFill>
+                  <a:schemeClr val="lt1"/>
+                </a:solidFill>
+                <a:latin typeface="+mn-lt"/>
+                <a:ea typeface="+mn-ea"/>
+                <a:cs typeface="+mn-cs"/>
+              </a:defRPr>
+            </a:lvl6pPr>
+            <a:lvl7pPr marL="2743200" algn="l" defTabSz="914400" rtl="0" eaLnBrk="1" latinLnBrk="1" hangingPunct="1">
+              <a:defRPr sz="1800" kern="1200">
+                <a:solidFill>
+                  <a:schemeClr val="lt1"/>
+                </a:solidFill>
+                <a:latin typeface="+mn-lt"/>
+                <a:ea typeface="+mn-ea"/>
+                <a:cs typeface="+mn-cs"/>
+              </a:defRPr>
+            </a:lvl7pPr>
+            <a:lvl8pPr marL="3200400" algn="l" defTabSz="914400" rtl="0" eaLnBrk="1" latinLnBrk="1" hangingPunct="1">
+              <a:defRPr sz="1800" kern="1200">
+                <a:solidFill>
+                  <a:schemeClr val="lt1"/>
+                </a:solidFill>
+                <a:latin typeface="+mn-lt"/>
+                <a:ea typeface="+mn-ea"/>
+                <a:cs typeface="+mn-cs"/>
+              </a:defRPr>
+            </a:lvl8pPr>
+            <a:lvl9pPr marL="3657600" algn="l" defTabSz="914400" rtl="0" eaLnBrk="1" latinLnBrk="1" hangingPunct="1">
+              <a:defRPr sz="1800" kern="1200">
+                <a:solidFill>
+                  <a:schemeClr val="lt1"/>
+                </a:solidFill>
+                <a:latin typeface="+mn-lt"/>
+                <a:ea typeface="+mn-ea"/>
+                <a:cs typeface="+mn-cs"/>
+              </a:defRPr>
+            </a:lvl9pPr>
+          </a:lstStyle>
           <a:p>
             <a:pPr algn="ctr"/>
             <a:r>
@@ -6081,11 +6278,20 @@
               <a:t>Reset</a:t>
             </a:r>
           </a:p>
+          <a:p>
+            <a:pPr algn="ctr"/>
+            <a:r>
+              <a:rPr lang="en-US" altLang="ko-KR" sz="1400" dirty="0">
+                <a:ea typeface="현대하모니 M" panose="02020603020101020101"/>
+              </a:rPr>
+              <a:t> [R2~]</a:t>
+            </a:r>
+          </a:p>
         </p:txBody>
       </p:sp>
       <p:cxnSp>
         <p:nvCxnSpPr>
-          <p:cNvPr id="82" name="연결선: 꺾임 81">
+          <p:cNvPr id="5" name="연결선: 꺾임 4">
             <a:extLst>
               <a:ext uri="{FF2B5EF4-FFF2-40B4-BE49-F238E27FC236}">
                 <a16:creationId xmlns:a16="http://schemas.microsoft.com/office/drawing/2014/main" id="{F7145B42-2C09-D6CE-2298-12CF80CB6686}"/>
@@ -6094,14 +6300,14 @@
           </p:cNvPr>
           <p:cNvCxnSpPr>
             <a:cxnSpLocks/>
-            <a:stCxn id="81" idx="1"/>
-            <a:endCxn id="80" idx="1"/>
+            <a:stCxn id="4" idx="1"/>
+            <a:endCxn id="3" idx="1"/>
           </p:cNvCxnSpPr>
           <p:nvPr/>
         </p:nvCxnSpPr>
         <p:spPr>
           <a:xfrm rot="10800000" flipH="1">
-            <a:off x="9071460" y="2749192"/>
+            <a:off x="9156759" y="2569042"/>
             <a:ext cx="1" cy="779478"/>
           </a:xfrm>
           <a:prstGeom prst="bentConnector3">
@@ -6135,7 +6341,7 @@
       </p:cxnSp>
       <p:sp>
         <p:nvSpPr>
-          <p:cNvPr id="8" name="화살표: 오각형 7">
+          <p:cNvPr id="6" name="화살표: 오각형 5">
             <a:extLst>
               <a:ext uri="{FF2B5EF4-FFF2-40B4-BE49-F238E27FC236}">
                 <a16:creationId xmlns:a16="http://schemas.microsoft.com/office/drawing/2014/main" id="{4C8F2E10-C2F4-637F-2ADD-3D6B5FE13FA8}"/>
@@ -6147,7 +6353,7 @@
         </p:nvSpPr>
         <p:spPr>
           <a:xfrm>
-            <a:off x="9071460" y="3963137"/>
+            <a:off x="9156759" y="3782987"/>
             <a:ext cx="2617433" cy="690024"/>
           </a:xfrm>
           <a:prstGeom prst="homePlate">
@@ -6182,21 +6388,124 @@
               <a:avLst/>
             </a:prstTxWarp>
           </a:bodyPr>
-          <a:lstStyle/>
+          <a:lstStyle>
+            <a:defPPr>
+              <a:defRPr lang="ko-KR"/>
+            </a:defPPr>
+            <a:lvl1pPr marL="0" algn="l" defTabSz="914400" rtl="0" eaLnBrk="1" latinLnBrk="1" hangingPunct="1">
+              <a:defRPr sz="1800" kern="1200">
+                <a:solidFill>
+                  <a:schemeClr val="lt1"/>
+                </a:solidFill>
+                <a:latin typeface="+mn-lt"/>
+                <a:ea typeface="+mn-ea"/>
+                <a:cs typeface="+mn-cs"/>
+              </a:defRPr>
+            </a:lvl1pPr>
+            <a:lvl2pPr marL="457200" algn="l" defTabSz="914400" rtl="0" eaLnBrk="1" latinLnBrk="1" hangingPunct="1">
+              <a:defRPr sz="1800" kern="1200">
+                <a:solidFill>
+                  <a:schemeClr val="lt1"/>
+                </a:solidFill>
+                <a:latin typeface="+mn-lt"/>
+                <a:ea typeface="+mn-ea"/>
+                <a:cs typeface="+mn-cs"/>
+              </a:defRPr>
+            </a:lvl2pPr>
+            <a:lvl3pPr marL="914400" algn="l" defTabSz="914400" rtl="0" eaLnBrk="1" latinLnBrk="1" hangingPunct="1">
+              <a:defRPr sz="1800" kern="1200">
+                <a:solidFill>
+                  <a:schemeClr val="lt1"/>
+                </a:solidFill>
+                <a:latin typeface="+mn-lt"/>
+                <a:ea typeface="+mn-ea"/>
+                <a:cs typeface="+mn-cs"/>
+              </a:defRPr>
+            </a:lvl3pPr>
+            <a:lvl4pPr marL="1371600" algn="l" defTabSz="914400" rtl="0" eaLnBrk="1" latinLnBrk="1" hangingPunct="1">
+              <a:defRPr sz="1800" kern="1200">
+                <a:solidFill>
+                  <a:schemeClr val="lt1"/>
+                </a:solidFill>
+                <a:latin typeface="+mn-lt"/>
+                <a:ea typeface="+mn-ea"/>
+                <a:cs typeface="+mn-cs"/>
+              </a:defRPr>
+            </a:lvl4pPr>
+            <a:lvl5pPr marL="1828800" algn="l" defTabSz="914400" rtl="0" eaLnBrk="1" latinLnBrk="1" hangingPunct="1">
+              <a:defRPr sz="1800" kern="1200">
+                <a:solidFill>
+                  <a:schemeClr val="lt1"/>
+                </a:solidFill>
+                <a:latin typeface="+mn-lt"/>
+                <a:ea typeface="+mn-ea"/>
+                <a:cs typeface="+mn-cs"/>
+              </a:defRPr>
+            </a:lvl5pPr>
+            <a:lvl6pPr marL="2286000" algn="l" defTabSz="914400" rtl="0" eaLnBrk="1" latinLnBrk="1" hangingPunct="1">
+              <a:defRPr sz="1800" kern="1200">
+                <a:solidFill>
+                  <a:schemeClr val="lt1"/>
+                </a:solidFill>
+                <a:latin typeface="+mn-lt"/>
+                <a:ea typeface="+mn-ea"/>
+                <a:cs typeface="+mn-cs"/>
+              </a:defRPr>
+            </a:lvl6pPr>
+            <a:lvl7pPr marL="2743200" algn="l" defTabSz="914400" rtl="0" eaLnBrk="1" latinLnBrk="1" hangingPunct="1">
+              <a:defRPr sz="1800" kern="1200">
+                <a:solidFill>
+                  <a:schemeClr val="lt1"/>
+                </a:solidFill>
+                <a:latin typeface="+mn-lt"/>
+                <a:ea typeface="+mn-ea"/>
+                <a:cs typeface="+mn-cs"/>
+              </a:defRPr>
+            </a:lvl7pPr>
+            <a:lvl8pPr marL="3200400" algn="l" defTabSz="914400" rtl="0" eaLnBrk="1" latinLnBrk="1" hangingPunct="1">
+              <a:defRPr sz="1800" kern="1200">
+                <a:solidFill>
+                  <a:schemeClr val="lt1"/>
+                </a:solidFill>
+                <a:latin typeface="+mn-lt"/>
+                <a:ea typeface="+mn-ea"/>
+                <a:cs typeface="+mn-cs"/>
+              </a:defRPr>
+            </a:lvl8pPr>
+            <a:lvl9pPr marL="3657600" algn="l" defTabSz="914400" rtl="0" eaLnBrk="1" latinLnBrk="1" hangingPunct="1">
+              <a:defRPr sz="1800" kern="1200">
+                <a:solidFill>
+                  <a:schemeClr val="lt1"/>
+                </a:solidFill>
+                <a:latin typeface="+mn-lt"/>
+                <a:ea typeface="+mn-ea"/>
+                <a:cs typeface="+mn-cs"/>
+              </a:defRPr>
+            </a:lvl9pPr>
+          </a:lstStyle>
           <a:p>
             <a:pPr algn="ctr"/>
             <a:r>
               <a:rPr lang="en-US" altLang="ko-KR" sz="1400" dirty="0">
                 <a:ea typeface="현대하모니 M" panose="02020603020101020101"/>
               </a:rPr>
-              <a:t>Weld</a:t>
+              <a:t>Weld </a:t>
+            </a:r>
+          </a:p>
+          <a:p>
+            <a:pPr algn="ctr"/>
+            <a:r>
+              <a:rPr lang="en-US" altLang="ko-KR" sz="1400" dirty="0">
+                <a:ea typeface="현대하모니 M" panose="02020603020101020101"/>
+              </a:rPr>
+              <a:t>[R3~]</a:t>
             </a:r>
           </a:p>
         </p:txBody>
       </p:sp>
       <p:cxnSp>
         <p:nvCxnSpPr>
-          <p:cNvPr id="9" name="연결선: 꺾임 8">
+          <p:cNvPr id="7" name="연결선: 꺾임 6">
             <a:extLst>
               <a:ext uri="{FF2B5EF4-FFF2-40B4-BE49-F238E27FC236}">
                 <a16:creationId xmlns:a16="http://schemas.microsoft.com/office/drawing/2014/main" id="{A3C251A6-0059-5890-B4C4-7C7599E7A2D0}"/>
@@ -6205,14 +6514,14 @@
           </p:cNvPr>
           <p:cNvCxnSpPr>
             <a:cxnSpLocks/>
-            <a:stCxn id="8" idx="1"/>
-            <a:endCxn id="81" idx="1"/>
+            <a:stCxn id="6" idx="1"/>
+            <a:endCxn id="4" idx="1"/>
           </p:cNvCxnSpPr>
           <p:nvPr/>
         </p:nvCxnSpPr>
         <p:spPr>
           <a:xfrm rot="10800000" flipH="1">
-            <a:off x="9071459" y="3528671"/>
+            <a:off x="9156758" y="3348521"/>
             <a:ext cx="1" cy="779479"/>
           </a:xfrm>
           <a:prstGeom prst="bentConnector3">
@@ -6246,7 +6555,7 @@
       </p:cxnSp>
       <p:cxnSp>
         <p:nvCxnSpPr>
-          <p:cNvPr id="13" name="연결선: 꺾임 12">
+          <p:cNvPr id="10" name="연결선: 꺾임 9">
             <a:extLst>
               <a:ext uri="{FF2B5EF4-FFF2-40B4-BE49-F238E27FC236}">
                 <a16:creationId xmlns:a16="http://schemas.microsoft.com/office/drawing/2014/main" id="{DE39990F-E1AA-35E1-9328-7B60D1E11FCA}"/>
@@ -6255,14 +6564,14 @@
           </p:cNvPr>
           <p:cNvCxnSpPr>
             <a:cxnSpLocks/>
-            <a:stCxn id="8" idx="2"/>
-            <a:endCxn id="80" idx="0"/>
+            <a:stCxn id="6" idx="2"/>
+            <a:endCxn id="3" idx="0"/>
           </p:cNvCxnSpPr>
           <p:nvPr/>
         </p:nvCxnSpPr>
         <p:spPr>
           <a:xfrm rot="5400000" flipH="1" flipV="1">
-            <a:off x="9083181" y="3528670"/>
+            <a:off x="9168480" y="3348520"/>
             <a:ext cx="2248981" cy="2"/>
           </a:xfrm>
           <a:prstGeom prst="bentConnector5">
@@ -6296,6 +6605,438 @@
           </a:fontRef>
         </p:style>
       </p:cxnSp>
+      <p:sp>
+        <p:nvSpPr>
+          <p:cNvPr id="11" name="직사각형 10">
+            <a:extLst>
+              <a:ext uri="{FF2B5EF4-FFF2-40B4-BE49-F238E27FC236}">
+                <a16:creationId xmlns:a16="http://schemas.microsoft.com/office/drawing/2014/main" id="{4D035912-6883-9CC7-F0C6-64F8A973AF0A}"/>
+              </a:ext>
+            </a:extLst>
+          </p:cNvPr>
+          <p:cNvSpPr/>
+          <p:nvPr/>
+        </p:nvSpPr>
+        <p:spPr>
+          <a:xfrm>
+            <a:off x="2069626" y="2796566"/>
+            <a:ext cx="1612490" cy="1565787"/>
+          </a:xfrm>
+          <a:prstGeom prst="rect">
+            <a:avLst/>
+          </a:prstGeom>
+        </p:spPr>
+        <p:style>
+          <a:lnRef idx="2">
+            <a:schemeClr val="accent1">
+              <a:shade val="50000"/>
+            </a:schemeClr>
+          </a:lnRef>
+          <a:fillRef idx="1">
+            <a:schemeClr val="accent1"/>
+          </a:fillRef>
+          <a:effectRef idx="0">
+            <a:schemeClr val="accent1"/>
+          </a:effectRef>
+          <a:fontRef idx="minor">
+            <a:schemeClr val="lt1"/>
+          </a:fontRef>
+        </p:style>
+        <p:txBody>
+          <a:bodyPr rtlCol="0" anchor="ctr"/>
+          <a:lstStyle>
+            <a:defPPr>
+              <a:defRPr lang="ko-KR"/>
+            </a:defPPr>
+            <a:lvl1pPr marL="0" algn="l" defTabSz="914400" rtl="0" eaLnBrk="1" latinLnBrk="1" hangingPunct="1">
+              <a:defRPr sz="1800" kern="1200">
+                <a:solidFill>
+                  <a:schemeClr val="lt1"/>
+                </a:solidFill>
+                <a:latin typeface="+mn-lt"/>
+                <a:ea typeface="+mn-ea"/>
+                <a:cs typeface="+mn-cs"/>
+              </a:defRPr>
+            </a:lvl1pPr>
+            <a:lvl2pPr marL="457200" algn="l" defTabSz="914400" rtl="0" eaLnBrk="1" latinLnBrk="1" hangingPunct="1">
+              <a:defRPr sz="1800" kern="1200">
+                <a:solidFill>
+                  <a:schemeClr val="lt1"/>
+                </a:solidFill>
+                <a:latin typeface="+mn-lt"/>
+                <a:ea typeface="+mn-ea"/>
+                <a:cs typeface="+mn-cs"/>
+              </a:defRPr>
+            </a:lvl2pPr>
+            <a:lvl3pPr marL="914400" algn="l" defTabSz="914400" rtl="0" eaLnBrk="1" latinLnBrk="1" hangingPunct="1">
+              <a:defRPr sz="1800" kern="1200">
+                <a:solidFill>
+                  <a:schemeClr val="lt1"/>
+                </a:solidFill>
+                <a:latin typeface="+mn-lt"/>
+                <a:ea typeface="+mn-ea"/>
+                <a:cs typeface="+mn-cs"/>
+              </a:defRPr>
+            </a:lvl3pPr>
+            <a:lvl4pPr marL="1371600" algn="l" defTabSz="914400" rtl="0" eaLnBrk="1" latinLnBrk="1" hangingPunct="1">
+              <a:defRPr sz="1800" kern="1200">
+                <a:solidFill>
+                  <a:schemeClr val="lt1"/>
+                </a:solidFill>
+                <a:latin typeface="+mn-lt"/>
+                <a:ea typeface="+mn-ea"/>
+                <a:cs typeface="+mn-cs"/>
+              </a:defRPr>
+            </a:lvl4pPr>
+            <a:lvl5pPr marL="1828800" algn="l" defTabSz="914400" rtl="0" eaLnBrk="1" latinLnBrk="1" hangingPunct="1">
+              <a:defRPr sz="1800" kern="1200">
+                <a:solidFill>
+                  <a:schemeClr val="lt1"/>
+                </a:solidFill>
+                <a:latin typeface="+mn-lt"/>
+                <a:ea typeface="+mn-ea"/>
+                <a:cs typeface="+mn-cs"/>
+              </a:defRPr>
+            </a:lvl5pPr>
+            <a:lvl6pPr marL="2286000" algn="l" defTabSz="914400" rtl="0" eaLnBrk="1" latinLnBrk="1" hangingPunct="1">
+              <a:defRPr sz="1800" kern="1200">
+                <a:solidFill>
+                  <a:schemeClr val="lt1"/>
+                </a:solidFill>
+                <a:latin typeface="+mn-lt"/>
+                <a:ea typeface="+mn-ea"/>
+                <a:cs typeface="+mn-cs"/>
+              </a:defRPr>
+            </a:lvl6pPr>
+            <a:lvl7pPr marL="2743200" algn="l" defTabSz="914400" rtl="0" eaLnBrk="1" latinLnBrk="1" hangingPunct="1">
+              <a:defRPr sz="1800" kern="1200">
+                <a:solidFill>
+                  <a:schemeClr val="lt1"/>
+                </a:solidFill>
+                <a:latin typeface="+mn-lt"/>
+                <a:ea typeface="+mn-ea"/>
+                <a:cs typeface="+mn-cs"/>
+              </a:defRPr>
+            </a:lvl7pPr>
+            <a:lvl8pPr marL="3200400" algn="l" defTabSz="914400" rtl="0" eaLnBrk="1" latinLnBrk="1" hangingPunct="1">
+              <a:defRPr sz="1800" kern="1200">
+                <a:solidFill>
+                  <a:schemeClr val="lt1"/>
+                </a:solidFill>
+                <a:latin typeface="+mn-lt"/>
+                <a:ea typeface="+mn-ea"/>
+                <a:cs typeface="+mn-cs"/>
+              </a:defRPr>
+            </a:lvl8pPr>
+            <a:lvl9pPr marL="3657600" algn="l" defTabSz="914400" rtl="0" eaLnBrk="1" latinLnBrk="1" hangingPunct="1">
+              <a:defRPr sz="1800" kern="1200">
+                <a:solidFill>
+                  <a:schemeClr val="lt1"/>
+                </a:solidFill>
+                <a:latin typeface="+mn-lt"/>
+                <a:ea typeface="+mn-ea"/>
+                <a:cs typeface="+mn-cs"/>
+              </a:defRPr>
+            </a:lvl9pPr>
+          </a:lstStyle>
+          <a:p>
+            <a:pPr algn="ctr"/>
+            <a:r>
+              <a:rPr lang="en-US" altLang="ko-KR" dirty="0"/>
+              <a:t>R1</a:t>
+            </a:r>
+            <a:endParaRPr lang="ko-KR" altLang="en-US" dirty="0"/>
+          </a:p>
+        </p:txBody>
+      </p:sp>
+      <p:sp>
+        <p:nvSpPr>
+          <p:cNvPr id="12" name="직사각형 11">
+            <a:extLst>
+              <a:ext uri="{FF2B5EF4-FFF2-40B4-BE49-F238E27FC236}">
+                <a16:creationId xmlns:a16="http://schemas.microsoft.com/office/drawing/2014/main" id="{E298302E-01FD-2BF3-0B22-A7B6F88923EA}"/>
+              </a:ext>
+            </a:extLst>
+          </p:cNvPr>
+          <p:cNvSpPr/>
+          <p:nvPr/>
+        </p:nvSpPr>
+        <p:spPr>
+          <a:xfrm>
+            <a:off x="3859097" y="4055095"/>
+            <a:ext cx="1612490" cy="1565787"/>
+          </a:xfrm>
+          <a:prstGeom prst="rect">
+            <a:avLst/>
+          </a:prstGeom>
+        </p:spPr>
+        <p:style>
+          <a:lnRef idx="2">
+            <a:schemeClr val="accent1">
+              <a:shade val="50000"/>
+            </a:schemeClr>
+          </a:lnRef>
+          <a:fillRef idx="1">
+            <a:schemeClr val="accent1"/>
+          </a:fillRef>
+          <a:effectRef idx="0">
+            <a:schemeClr val="accent1"/>
+          </a:effectRef>
+          <a:fontRef idx="minor">
+            <a:schemeClr val="lt1"/>
+          </a:fontRef>
+        </p:style>
+        <p:txBody>
+          <a:bodyPr rtlCol="0" anchor="ctr"/>
+          <a:lstStyle>
+            <a:defPPr>
+              <a:defRPr lang="ko-KR"/>
+            </a:defPPr>
+            <a:lvl1pPr marL="0" algn="l" defTabSz="914400" rtl="0" eaLnBrk="1" latinLnBrk="1" hangingPunct="1">
+              <a:defRPr sz="1800" kern="1200">
+                <a:solidFill>
+                  <a:schemeClr val="lt1"/>
+                </a:solidFill>
+                <a:latin typeface="+mn-lt"/>
+                <a:ea typeface="+mn-ea"/>
+                <a:cs typeface="+mn-cs"/>
+              </a:defRPr>
+            </a:lvl1pPr>
+            <a:lvl2pPr marL="457200" algn="l" defTabSz="914400" rtl="0" eaLnBrk="1" latinLnBrk="1" hangingPunct="1">
+              <a:defRPr sz="1800" kern="1200">
+                <a:solidFill>
+                  <a:schemeClr val="lt1"/>
+                </a:solidFill>
+                <a:latin typeface="+mn-lt"/>
+                <a:ea typeface="+mn-ea"/>
+                <a:cs typeface="+mn-cs"/>
+              </a:defRPr>
+            </a:lvl2pPr>
+            <a:lvl3pPr marL="914400" algn="l" defTabSz="914400" rtl="0" eaLnBrk="1" latinLnBrk="1" hangingPunct="1">
+              <a:defRPr sz="1800" kern="1200">
+                <a:solidFill>
+                  <a:schemeClr val="lt1"/>
+                </a:solidFill>
+                <a:latin typeface="+mn-lt"/>
+                <a:ea typeface="+mn-ea"/>
+                <a:cs typeface="+mn-cs"/>
+              </a:defRPr>
+            </a:lvl3pPr>
+            <a:lvl4pPr marL="1371600" algn="l" defTabSz="914400" rtl="0" eaLnBrk="1" latinLnBrk="1" hangingPunct="1">
+              <a:defRPr sz="1800" kern="1200">
+                <a:solidFill>
+                  <a:schemeClr val="lt1"/>
+                </a:solidFill>
+                <a:latin typeface="+mn-lt"/>
+                <a:ea typeface="+mn-ea"/>
+                <a:cs typeface="+mn-cs"/>
+              </a:defRPr>
+            </a:lvl4pPr>
+            <a:lvl5pPr marL="1828800" algn="l" defTabSz="914400" rtl="0" eaLnBrk="1" latinLnBrk="1" hangingPunct="1">
+              <a:defRPr sz="1800" kern="1200">
+                <a:solidFill>
+                  <a:schemeClr val="lt1"/>
+                </a:solidFill>
+                <a:latin typeface="+mn-lt"/>
+                <a:ea typeface="+mn-ea"/>
+                <a:cs typeface="+mn-cs"/>
+              </a:defRPr>
+            </a:lvl5pPr>
+            <a:lvl6pPr marL="2286000" algn="l" defTabSz="914400" rtl="0" eaLnBrk="1" latinLnBrk="1" hangingPunct="1">
+              <a:defRPr sz="1800" kern="1200">
+                <a:solidFill>
+                  <a:schemeClr val="lt1"/>
+                </a:solidFill>
+                <a:latin typeface="+mn-lt"/>
+                <a:ea typeface="+mn-ea"/>
+                <a:cs typeface="+mn-cs"/>
+              </a:defRPr>
+            </a:lvl6pPr>
+            <a:lvl7pPr marL="2743200" algn="l" defTabSz="914400" rtl="0" eaLnBrk="1" latinLnBrk="1" hangingPunct="1">
+              <a:defRPr sz="1800" kern="1200">
+                <a:solidFill>
+                  <a:schemeClr val="lt1"/>
+                </a:solidFill>
+                <a:latin typeface="+mn-lt"/>
+                <a:ea typeface="+mn-ea"/>
+                <a:cs typeface="+mn-cs"/>
+              </a:defRPr>
+            </a:lvl7pPr>
+            <a:lvl8pPr marL="3200400" algn="l" defTabSz="914400" rtl="0" eaLnBrk="1" latinLnBrk="1" hangingPunct="1">
+              <a:defRPr sz="1800" kern="1200">
+                <a:solidFill>
+                  <a:schemeClr val="lt1"/>
+                </a:solidFill>
+                <a:latin typeface="+mn-lt"/>
+                <a:ea typeface="+mn-ea"/>
+                <a:cs typeface="+mn-cs"/>
+              </a:defRPr>
+            </a:lvl8pPr>
+            <a:lvl9pPr marL="3657600" algn="l" defTabSz="914400" rtl="0" eaLnBrk="1" latinLnBrk="1" hangingPunct="1">
+              <a:defRPr sz="1800" kern="1200">
+                <a:solidFill>
+                  <a:schemeClr val="lt1"/>
+                </a:solidFill>
+                <a:latin typeface="+mn-lt"/>
+                <a:ea typeface="+mn-ea"/>
+                <a:cs typeface="+mn-cs"/>
+              </a:defRPr>
+            </a:lvl9pPr>
+          </a:lstStyle>
+          <a:p>
+            <a:pPr algn="ctr"/>
+            <a:r>
+              <a:rPr lang="en-US" altLang="ko-KR" dirty="0"/>
+              <a:t>R2</a:t>
+            </a:r>
+            <a:endParaRPr lang="ko-KR" altLang="en-US" dirty="0"/>
+          </a:p>
+        </p:txBody>
+      </p:sp>
+      <p:sp>
+        <p:nvSpPr>
+          <p:cNvPr id="14" name="직사각형 13">
+            <a:extLst>
+              <a:ext uri="{FF2B5EF4-FFF2-40B4-BE49-F238E27FC236}">
+                <a16:creationId xmlns:a16="http://schemas.microsoft.com/office/drawing/2014/main" id="{493F988D-BBC7-8C87-39AC-067162E6E9A4}"/>
+              </a:ext>
+            </a:extLst>
+          </p:cNvPr>
+          <p:cNvSpPr/>
+          <p:nvPr/>
+        </p:nvSpPr>
+        <p:spPr>
+          <a:xfrm>
+            <a:off x="6144132" y="4837988"/>
+            <a:ext cx="1612490" cy="1565787"/>
+          </a:xfrm>
+          <a:prstGeom prst="rect">
+            <a:avLst/>
+          </a:prstGeom>
+        </p:spPr>
+        <p:style>
+          <a:lnRef idx="2">
+            <a:schemeClr val="accent1">
+              <a:shade val="50000"/>
+            </a:schemeClr>
+          </a:lnRef>
+          <a:fillRef idx="1">
+            <a:schemeClr val="accent1"/>
+          </a:fillRef>
+          <a:effectRef idx="0">
+            <a:schemeClr val="accent1"/>
+          </a:effectRef>
+          <a:fontRef idx="minor">
+            <a:schemeClr val="lt1"/>
+          </a:fontRef>
+        </p:style>
+        <p:txBody>
+          <a:bodyPr rtlCol="0" anchor="ctr"/>
+          <a:lstStyle>
+            <a:defPPr>
+              <a:defRPr lang="ko-KR"/>
+            </a:defPPr>
+            <a:lvl1pPr marL="0" algn="l" defTabSz="914400" rtl="0" eaLnBrk="1" latinLnBrk="1" hangingPunct="1">
+              <a:defRPr sz="1800" kern="1200">
+                <a:solidFill>
+                  <a:schemeClr val="lt1"/>
+                </a:solidFill>
+                <a:latin typeface="+mn-lt"/>
+                <a:ea typeface="+mn-ea"/>
+                <a:cs typeface="+mn-cs"/>
+              </a:defRPr>
+            </a:lvl1pPr>
+            <a:lvl2pPr marL="457200" algn="l" defTabSz="914400" rtl="0" eaLnBrk="1" latinLnBrk="1" hangingPunct="1">
+              <a:defRPr sz="1800" kern="1200">
+                <a:solidFill>
+                  <a:schemeClr val="lt1"/>
+                </a:solidFill>
+                <a:latin typeface="+mn-lt"/>
+                <a:ea typeface="+mn-ea"/>
+                <a:cs typeface="+mn-cs"/>
+              </a:defRPr>
+            </a:lvl2pPr>
+            <a:lvl3pPr marL="914400" algn="l" defTabSz="914400" rtl="0" eaLnBrk="1" latinLnBrk="1" hangingPunct="1">
+              <a:defRPr sz="1800" kern="1200">
+                <a:solidFill>
+                  <a:schemeClr val="lt1"/>
+                </a:solidFill>
+                <a:latin typeface="+mn-lt"/>
+                <a:ea typeface="+mn-ea"/>
+                <a:cs typeface="+mn-cs"/>
+              </a:defRPr>
+            </a:lvl3pPr>
+            <a:lvl4pPr marL="1371600" algn="l" defTabSz="914400" rtl="0" eaLnBrk="1" latinLnBrk="1" hangingPunct="1">
+              <a:defRPr sz="1800" kern="1200">
+                <a:solidFill>
+                  <a:schemeClr val="lt1"/>
+                </a:solidFill>
+                <a:latin typeface="+mn-lt"/>
+                <a:ea typeface="+mn-ea"/>
+                <a:cs typeface="+mn-cs"/>
+              </a:defRPr>
+            </a:lvl4pPr>
+            <a:lvl5pPr marL="1828800" algn="l" defTabSz="914400" rtl="0" eaLnBrk="1" latinLnBrk="1" hangingPunct="1">
+              <a:defRPr sz="1800" kern="1200">
+                <a:solidFill>
+                  <a:schemeClr val="lt1"/>
+                </a:solidFill>
+                <a:latin typeface="+mn-lt"/>
+                <a:ea typeface="+mn-ea"/>
+                <a:cs typeface="+mn-cs"/>
+              </a:defRPr>
+            </a:lvl5pPr>
+            <a:lvl6pPr marL="2286000" algn="l" defTabSz="914400" rtl="0" eaLnBrk="1" latinLnBrk="1" hangingPunct="1">
+              <a:defRPr sz="1800" kern="1200">
+                <a:solidFill>
+                  <a:schemeClr val="lt1"/>
+                </a:solidFill>
+                <a:latin typeface="+mn-lt"/>
+                <a:ea typeface="+mn-ea"/>
+                <a:cs typeface="+mn-cs"/>
+              </a:defRPr>
+            </a:lvl6pPr>
+            <a:lvl7pPr marL="2743200" algn="l" defTabSz="914400" rtl="0" eaLnBrk="1" latinLnBrk="1" hangingPunct="1">
+              <a:defRPr sz="1800" kern="1200">
+                <a:solidFill>
+                  <a:schemeClr val="lt1"/>
+                </a:solidFill>
+                <a:latin typeface="+mn-lt"/>
+                <a:ea typeface="+mn-ea"/>
+                <a:cs typeface="+mn-cs"/>
+              </a:defRPr>
+            </a:lvl7pPr>
+            <a:lvl8pPr marL="3200400" algn="l" defTabSz="914400" rtl="0" eaLnBrk="1" latinLnBrk="1" hangingPunct="1">
+              <a:defRPr sz="1800" kern="1200">
+                <a:solidFill>
+                  <a:schemeClr val="lt1"/>
+                </a:solidFill>
+                <a:latin typeface="+mn-lt"/>
+                <a:ea typeface="+mn-ea"/>
+                <a:cs typeface="+mn-cs"/>
+              </a:defRPr>
+            </a:lvl8pPr>
+            <a:lvl9pPr marL="3657600" algn="l" defTabSz="914400" rtl="0" eaLnBrk="1" latinLnBrk="1" hangingPunct="1">
+              <a:defRPr sz="1800" kern="1200">
+                <a:solidFill>
+                  <a:schemeClr val="lt1"/>
+                </a:solidFill>
+                <a:latin typeface="+mn-lt"/>
+                <a:ea typeface="+mn-ea"/>
+                <a:cs typeface="+mn-cs"/>
+              </a:defRPr>
+            </a:lvl9pPr>
+          </a:lstStyle>
+          <a:p>
+            <a:pPr algn="ctr"/>
+            <a:r>
+              <a:rPr lang="en-US" altLang="ko-KR" dirty="0"/>
+              <a:t>R3</a:t>
+            </a:r>
+            <a:endParaRPr lang="ko-KR" altLang="en-US" dirty="0"/>
+          </a:p>
+        </p:txBody>
+      </p:sp>
     </p:spTree>
     <p:extLst>
       <p:ext uri="{BB962C8B-B14F-4D97-AF65-F5344CB8AC3E}">

--- a/DsDotNet/src/UnitTest/UnitTest.Engine/ImportOffice/Sample/Lib/Robot/Weld.pptx
+++ b/DsDotNet/src/UnitTest/UnitTest.Engine/ImportOffice/Sample/Lib/Robot/Weld.pptx
@@ -216,7 +216,7 @@
           <a:p>
             <a:fld id="{DD503887-5801-43A0-AEF9-041E8DDC2558}" type="datetimeFigureOut">
               <a:rPr lang="ko-KR" altLang="en-US" smtClean="0"/>
-              <a:t>2023-01-23</a:t>
+              <a:t>2023-02-01</a:t>
             </a:fld>
             <a:endParaRPr lang="ko-KR" altLang="en-US"/>
           </a:p>
@@ -393,7 +393,7 @@
           <a:p>
             <a:fld id="{95336A0E-57B1-4D4C-BD9B-2F72B5943464}" type="datetimeFigureOut">
               <a:rPr lang="ko-KR" altLang="en-US" smtClean="0"/>
-              <a:t>2023-01-23</a:t>
+              <a:t>2023-02-01</a:t>
             </a:fld>
             <a:endParaRPr lang="ko-KR" altLang="en-US"/>
           </a:p>
@@ -755,7 +755,7 @@
           <a:effectLst/>
           <a:extLst>
             <a:ext uri="{91240B29-F687-4f45-9708-019B960494DF}">
-              <a14:hiddenLine xmlns="" xmlns:a14="http://schemas.microsoft.com/office/drawing/2010/main" w="9525">
+              <a14:hiddenLine xmlns:a14="http://schemas.microsoft.com/office/drawing/2010/main" xmlns="" w="9525">
                 <a:solidFill>
                   <a:srgbClr val="000000"/>
                 </a:solidFill>
@@ -947,7 +947,7 @@
           <a:p>
             <a:fld id="{DEA6EBF0-8E22-42A7-9BEA-2AC7066E6498}" type="datetimeFigureOut">
               <a:rPr lang="ko-KR" altLang="en-US" smtClean="0"/>
-              <a:t>2023-01-23</a:t>
+              <a:t>2023-02-01</a:t>
             </a:fld>
             <a:endParaRPr lang="ko-KR" altLang="en-US"/>
           </a:p>
@@ -1265,7 +1265,7 @@
           <a:p>
             <a:fld id="{DEA6EBF0-8E22-42A7-9BEA-2AC7066E6498}" type="datetimeFigureOut">
               <a:rPr lang="ko-KR" altLang="en-US" smtClean="0"/>
-              <a:t>2023-01-23</a:t>
+              <a:t>2023-02-01</a:t>
             </a:fld>
             <a:endParaRPr lang="ko-KR" altLang="en-US"/>
           </a:p>
@@ -1753,7 +1753,7 @@
           <a:p>
             <a:fld id="{DEA6EBF0-8E22-42A7-9BEA-2AC7066E6498}" type="datetimeFigureOut">
               <a:rPr lang="ko-KR" altLang="en-US" smtClean="0"/>
-              <a:t>2023-01-23</a:t>
+              <a:t>2023-02-01</a:t>
             </a:fld>
             <a:endParaRPr lang="ko-KR" altLang="en-US"/>
           </a:p>
@@ -2122,7 +2122,7 @@
           <a:p>
             <a:fld id="{DEA6EBF0-8E22-42A7-9BEA-2AC7066E6498}" type="datetimeFigureOut">
               <a:rPr lang="ko-KR" altLang="en-US" smtClean="0"/>
-              <a:t>2023-01-23</a:t>
+              <a:t>2023-02-01</a:t>
             </a:fld>
             <a:endParaRPr lang="ko-KR" altLang="en-US"/>
           </a:p>
@@ -2277,7 +2277,7 @@
           <a:ln/>
           <a:extLst>
             <a:ext uri="{91240B29-F687-4f45-9708-019B960494DF}">
-              <a14:hiddenLine xmlns="" xmlns:a14="http://schemas.microsoft.com/office/drawing/2010/main" w="9525">
+              <a14:hiddenLine xmlns:a14="http://schemas.microsoft.com/office/drawing/2010/main" xmlns="" w="9525">
                 <a:solidFill>
                   <a:srgbClr val="000000"/>
                 </a:solidFill>
@@ -2395,7 +2395,7 @@
           <a:p>
             <a:fld id="{DEA6EBF0-8E22-42A7-9BEA-2AC7066E6498}" type="datetimeFigureOut">
               <a:rPr lang="ko-KR" altLang="en-US" smtClean="0"/>
-              <a:t>2023-01-23</a:t>
+              <a:t>2023-02-01</a:t>
             </a:fld>
             <a:endParaRPr lang="ko-KR" altLang="en-US"/>
           </a:p>
@@ -2552,7 +2552,7 @@
           <a:ln/>
           <a:extLst>
             <a:ext uri="{91240B29-F687-4f45-9708-019B960494DF}">
-              <a14:hiddenLine xmlns="" xmlns:a14="http://schemas.microsoft.com/office/drawing/2010/main" w="9525">
+              <a14:hiddenLine xmlns:a14="http://schemas.microsoft.com/office/drawing/2010/main" xmlns="" w="9525">
                 <a:solidFill>
                   <a:srgbClr val="000000"/>
                 </a:solidFill>
@@ -2680,7 +2680,7 @@
           <a:p>
             <a:fld id="{DEA6EBF0-8E22-42A7-9BEA-2AC7066E6498}" type="datetimeFigureOut">
               <a:rPr lang="ko-KR" altLang="en-US" smtClean="0"/>
-              <a:t>2023-01-23</a:t>
+              <a:t>2023-02-01</a:t>
             </a:fld>
             <a:endParaRPr lang="ko-KR" altLang="en-US"/>
           </a:p>
@@ -2798,7 +2798,7 @@
           <a:p>
             <a:fld id="{DEA6EBF0-8E22-42A7-9BEA-2AC7066E6498}" type="datetimeFigureOut">
               <a:rPr lang="ko-KR" altLang="en-US" smtClean="0"/>
-              <a:t>2023-01-23</a:t>
+              <a:t>2023-02-01</a:t>
             </a:fld>
             <a:endParaRPr lang="ko-KR" altLang="en-US"/>
           </a:p>
@@ -2953,7 +2953,7 @@
           <a:ln/>
           <a:extLst>
             <a:ext uri="{91240B29-F687-4f45-9708-019B960494DF}">
-              <a14:hiddenLine xmlns="" xmlns:a14="http://schemas.microsoft.com/office/drawing/2010/main" w="9525">
+              <a14:hiddenLine xmlns:a14="http://schemas.microsoft.com/office/drawing/2010/main" xmlns="" w="9525">
                 <a:solidFill>
                   <a:srgbClr val="000000"/>
                 </a:solidFill>
@@ -3081,7 +3081,7 @@
           <a:p>
             <a:fld id="{DEA6EBF0-8E22-42A7-9BEA-2AC7066E6498}" type="datetimeFigureOut">
               <a:rPr lang="ko-KR" altLang="en-US" smtClean="0"/>
-              <a:t>2023-01-23</a:t>
+              <a:t>2023-02-01</a:t>
             </a:fld>
             <a:endParaRPr lang="ko-KR" altLang="en-US"/>
           </a:p>
@@ -3424,7 +3424,7 @@
           <a:p>
             <a:fld id="{DEA6EBF0-8E22-42A7-9BEA-2AC7066E6498}" type="datetimeFigureOut">
               <a:rPr lang="ko-KR" altLang="en-US" smtClean="0"/>
-              <a:t>2023-01-23</a:t>
+              <a:t>2023-02-01</a:t>
             </a:fld>
             <a:endParaRPr lang="ko-KR" altLang="en-US"/>
           </a:p>
@@ -3579,7 +3579,7 @@
           <a:ln/>
           <a:extLst>
             <a:ext uri="{91240B29-F687-4f45-9708-019B960494DF}">
-              <a14:hiddenLine xmlns="" xmlns:a14="http://schemas.microsoft.com/office/drawing/2010/main" w="9525">
+              <a14:hiddenLine xmlns:a14="http://schemas.microsoft.com/office/drawing/2010/main" xmlns="" w="9525">
                 <a:solidFill>
                   <a:srgbClr val="000000"/>
                 </a:solidFill>
@@ -3763,7 +3763,7 @@
           <a:p>
             <a:fld id="{DEA6EBF0-8E22-42A7-9BEA-2AC7066E6498}" type="datetimeFigureOut">
               <a:rPr lang="ko-KR" altLang="en-US" smtClean="0"/>
-              <a:t>2023-01-23</a:t>
+              <a:t>2023-02-01</a:t>
             </a:fld>
             <a:endParaRPr lang="ko-KR" altLang="en-US"/>
           </a:p>
@@ -3918,7 +3918,7 @@
           <a:ln/>
           <a:extLst>
             <a:ext uri="{91240B29-F687-4f45-9708-019B960494DF}">
-              <a14:hiddenLine xmlns="" xmlns:a14="http://schemas.microsoft.com/office/drawing/2010/main" w="9525">
+              <a14:hiddenLine xmlns:a14="http://schemas.microsoft.com/office/drawing/2010/main" xmlns="" w="9525">
                 <a:solidFill>
                   <a:srgbClr val="000000"/>
                 </a:solidFill>
@@ -4240,7 +4240,7 @@
           <a:p>
             <a:fld id="{DEA6EBF0-8E22-42A7-9BEA-2AC7066E6498}" type="datetimeFigureOut">
               <a:rPr lang="ko-KR" altLang="en-US" smtClean="0"/>
-              <a:t>2023-01-23</a:t>
+              <a:t>2023-02-01</a:t>
             </a:fld>
             <a:endParaRPr lang="ko-KR" altLang="en-US"/>
           </a:p>
@@ -4335,7 +4335,7 @@
           <a:p>
             <a:fld id="{DEA6EBF0-8E22-42A7-9BEA-2AC7066E6498}" type="datetimeFigureOut">
               <a:rPr lang="ko-KR" altLang="en-US" smtClean="0"/>
-              <a:t>2023-01-23</a:t>
+              <a:t>2023-02-01</a:t>
             </a:fld>
             <a:endParaRPr lang="ko-KR" altLang="en-US"/>
           </a:p>
@@ -4603,7 +4603,7 @@
           <a:ln/>
           <a:extLst>
             <a:ext uri="{91240B29-F687-4f45-9708-019B960494DF}">
-              <a14:hiddenLine xmlns="" xmlns:a14="http://schemas.microsoft.com/office/drawing/2010/main" w="9525">
+              <a14:hiddenLine xmlns:a14="http://schemas.microsoft.com/office/drawing/2010/main" xmlns="" w="9525">
                 <a:solidFill>
                   <a:srgbClr val="000000"/>
                 </a:solidFill>
@@ -4802,7 +4802,7 @@
           <a:p>
             <a:fld id="{DEA6EBF0-8E22-42A7-9BEA-2AC7066E6498}" type="datetimeFigureOut">
               <a:rPr lang="ko-KR" altLang="en-US" smtClean="0"/>
-              <a:t>2023-01-23</a:t>
+              <a:t>2023-02-01</a:t>
             </a:fld>
             <a:endParaRPr lang="ko-KR" altLang="en-US"/>
           </a:p>
@@ -5115,7 +5115,7 @@
           <a:p>
             <a:fld id="{DEA6EBF0-8E22-42A7-9BEA-2AC7066E6498}" type="datetimeFigureOut">
               <a:rPr lang="ko-KR" altLang="en-US" smtClean="0"/>
-              <a:t>2023-01-23</a:t>
+              <a:t>2023-02-01</a:t>
             </a:fld>
             <a:endParaRPr lang="ko-KR" altLang="en-US"/>
           </a:p>
@@ -5385,7 +5385,7 @@
           <a:p>
             <a:fld id="{DEA6EBF0-8E22-42A7-9BEA-2AC7066E6498}" type="datetimeFigureOut">
               <a:rPr lang="ko-KR" altLang="en-US" smtClean="0"/>
-              <a:t>2023-01-23</a:t>
+              <a:t>2023-02-01</a:t>
             </a:fld>
             <a:endParaRPr lang="ko-KR" altLang="en-US"/>
           </a:p>

--- a/DsDotNet/src/UnitTest/UnitTest.Engine/ImportOffice/Sample/Lib/Robot/Weld.pptx
+++ b/DsDotNet/src/UnitTest/UnitTest.Engine/ImportOffice/Sample/Lib/Robot/Weld.pptx
@@ -216,7 +216,7 @@
           <a:p>
             <a:fld id="{DD503887-5801-43A0-AEF9-041E8DDC2558}" type="datetimeFigureOut">
               <a:rPr lang="ko-KR" altLang="en-US" smtClean="0"/>
-              <a:t>2023-02-01</a:t>
+              <a:t>2023-02-02</a:t>
             </a:fld>
             <a:endParaRPr lang="ko-KR" altLang="en-US"/>
           </a:p>
@@ -393,7 +393,7 @@
           <a:p>
             <a:fld id="{95336A0E-57B1-4D4C-BD9B-2F72B5943464}" type="datetimeFigureOut">
               <a:rPr lang="ko-KR" altLang="en-US" smtClean="0"/>
-              <a:t>2023-02-01</a:t>
+              <a:t>2023-02-02</a:t>
             </a:fld>
             <a:endParaRPr lang="ko-KR" altLang="en-US"/>
           </a:p>
@@ -947,7 +947,7 @@
           <a:p>
             <a:fld id="{DEA6EBF0-8E22-42A7-9BEA-2AC7066E6498}" type="datetimeFigureOut">
               <a:rPr lang="ko-KR" altLang="en-US" smtClean="0"/>
-              <a:t>2023-02-01</a:t>
+              <a:t>2023-02-02</a:t>
             </a:fld>
             <a:endParaRPr lang="ko-KR" altLang="en-US"/>
           </a:p>
@@ -1265,7 +1265,7 @@
           <a:p>
             <a:fld id="{DEA6EBF0-8E22-42A7-9BEA-2AC7066E6498}" type="datetimeFigureOut">
               <a:rPr lang="ko-KR" altLang="en-US" smtClean="0"/>
-              <a:t>2023-02-01</a:t>
+              <a:t>2023-02-02</a:t>
             </a:fld>
             <a:endParaRPr lang="ko-KR" altLang="en-US"/>
           </a:p>
@@ -1753,7 +1753,7 @@
           <a:p>
             <a:fld id="{DEA6EBF0-8E22-42A7-9BEA-2AC7066E6498}" type="datetimeFigureOut">
               <a:rPr lang="ko-KR" altLang="en-US" smtClean="0"/>
-              <a:t>2023-02-01</a:t>
+              <a:t>2023-02-02</a:t>
             </a:fld>
             <a:endParaRPr lang="ko-KR" altLang="en-US"/>
           </a:p>
@@ -2122,7 +2122,7 @@
           <a:p>
             <a:fld id="{DEA6EBF0-8E22-42A7-9BEA-2AC7066E6498}" type="datetimeFigureOut">
               <a:rPr lang="ko-KR" altLang="en-US" smtClean="0"/>
-              <a:t>2023-02-01</a:t>
+              <a:t>2023-02-02</a:t>
             </a:fld>
             <a:endParaRPr lang="ko-KR" altLang="en-US"/>
           </a:p>
@@ -2395,7 +2395,7 @@
           <a:p>
             <a:fld id="{DEA6EBF0-8E22-42A7-9BEA-2AC7066E6498}" type="datetimeFigureOut">
               <a:rPr lang="ko-KR" altLang="en-US" smtClean="0"/>
-              <a:t>2023-02-01</a:t>
+              <a:t>2023-02-02</a:t>
             </a:fld>
             <a:endParaRPr lang="ko-KR" altLang="en-US"/>
           </a:p>
@@ -2680,7 +2680,7 @@
           <a:p>
             <a:fld id="{DEA6EBF0-8E22-42A7-9BEA-2AC7066E6498}" type="datetimeFigureOut">
               <a:rPr lang="ko-KR" altLang="en-US" smtClean="0"/>
-              <a:t>2023-02-01</a:t>
+              <a:t>2023-02-02</a:t>
             </a:fld>
             <a:endParaRPr lang="ko-KR" altLang="en-US"/>
           </a:p>
@@ -2798,7 +2798,7 @@
           <a:p>
             <a:fld id="{DEA6EBF0-8E22-42A7-9BEA-2AC7066E6498}" type="datetimeFigureOut">
               <a:rPr lang="ko-KR" altLang="en-US" smtClean="0"/>
-              <a:t>2023-02-01</a:t>
+              <a:t>2023-02-02</a:t>
             </a:fld>
             <a:endParaRPr lang="ko-KR" altLang="en-US"/>
           </a:p>
@@ -3081,7 +3081,7 @@
           <a:p>
             <a:fld id="{DEA6EBF0-8E22-42A7-9BEA-2AC7066E6498}" type="datetimeFigureOut">
               <a:rPr lang="ko-KR" altLang="en-US" smtClean="0"/>
-              <a:t>2023-02-01</a:t>
+              <a:t>2023-02-02</a:t>
             </a:fld>
             <a:endParaRPr lang="ko-KR" altLang="en-US"/>
           </a:p>
@@ -3424,7 +3424,7 @@
           <a:p>
             <a:fld id="{DEA6EBF0-8E22-42A7-9BEA-2AC7066E6498}" type="datetimeFigureOut">
               <a:rPr lang="ko-KR" altLang="en-US" smtClean="0"/>
-              <a:t>2023-02-01</a:t>
+              <a:t>2023-02-02</a:t>
             </a:fld>
             <a:endParaRPr lang="ko-KR" altLang="en-US"/>
           </a:p>
@@ -3763,7 +3763,7 @@
           <a:p>
             <a:fld id="{DEA6EBF0-8E22-42A7-9BEA-2AC7066E6498}" type="datetimeFigureOut">
               <a:rPr lang="ko-KR" altLang="en-US" smtClean="0"/>
-              <a:t>2023-02-01</a:t>
+              <a:t>2023-02-02</a:t>
             </a:fld>
             <a:endParaRPr lang="ko-KR" altLang="en-US"/>
           </a:p>
@@ -4240,7 +4240,7 @@
           <a:p>
             <a:fld id="{DEA6EBF0-8E22-42A7-9BEA-2AC7066E6498}" type="datetimeFigureOut">
               <a:rPr lang="ko-KR" altLang="en-US" smtClean="0"/>
-              <a:t>2023-02-01</a:t>
+              <a:t>2023-02-02</a:t>
             </a:fld>
             <a:endParaRPr lang="ko-KR" altLang="en-US"/>
           </a:p>
@@ -4335,7 +4335,7 @@
           <a:p>
             <a:fld id="{DEA6EBF0-8E22-42A7-9BEA-2AC7066E6498}" type="datetimeFigureOut">
               <a:rPr lang="ko-KR" altLang="en-US" smtClean="0"/>
-              <a:t>2023-02-01</a:t>
+              <a:t>2023-02-02</a:t>
             </a:fld>
             <a:endParaRPr lang="ko-KR" altLang="en-US"/>
           </a:p>
@@ -4802,7 +4802,7 @@
           <a:p>
             <a:fld id="{DEA6EBF0-8E22-42A7-9BEA-2AC7066E6498}" type="datetimeFigureOut">
               <a:rPr lang="ko-KR" altLang="en-US" smtClean="0"/>
-              <a:t>2023-02-01</a:t>
+              <a:t>2023-02-02</a:t>
             </a:fld>
             <a:endParaRPr lang="ko-KR" altLang="en-US"/>
           </a:p>
@@ -5115,7 +5115,7 @@
           <a:p>
             <a:fld id="{DEA6EBF0-8E22-42A7-9BEA-2AC7066E6498}" type="datetimeFigureOut">
               <a:rPr lang="ko-KR" altLang="en-US" smtClean="0"/>
-              <a:t>2023-02-01</a:t>
+              <a:t>2023-02-02</a:t>
             </a:fld>
             <a:endParaRPr lang="ko-KR" altLang="en-US"/>
           </a:p>
@@ -5385,7 +5385,7 @@
           <a:p>
             <a:fld id="{DEA6EBF0-8E22-42A7-9BEA-2AC7066E6498}" type="datetimeFigureOut">
               <a:rPr lang="ko-KR" altLang="en-US" smtClean="0"/>
-              <a:t>2023-02-01</a:t>
+              <a:t>2023-02-02</a:t>
             </a:fld>
             <a:endParaRPr lang="ko-KR" altLang="en-US"/>
           </a:p>
@@ -6111,7 +6111,7 @@
               <a:rPr lang="en-US" altLang="ko-KR" sz="1400" dirty="0">
                 <a:ea typeface="현대하모니 M" panose="02020603020101020101"/>
               </a:rPr>
-              <a:t>Home</a:t>
+              <a:t>HOME</a:t>
             </a:r>
           </a:p>
           <a:p>
@@ -6275,7 +6275,7 @@
               <a:rPr lang="en-US" altLang="ko-KR" sz="1400" dirty="0">
                 <a:ea typeface="현대하모니 M" panose="02020603020101020101"/>
               </a:rPr>
-              <a:t>Reset</a:t>
+              <a:t>RESET</a:t>
             </a:r>
           </a:p>
           <a:p>
@@ -6489,7 +6489,7 @@
               <a:rPr lang="en-US" altLang="ko-KR" sz="1400" dirty="0">
                 <a:ea typeface="현대하모니 M" panose="02020603020101020101"/>
               </a:rPr>
-              <a:t>Weld </a:t>
+              <a:t>WELD</a:t>
             </a:r>
           </a:p>
           <a:p>
